--- a/res/班会.pptx
+++ b/res/班会.pptx
@@ -13,10 +13,10 @@
     <p:sldId id="266" r:id="rId4"/>
     <p:sldId id="267" r:id="rId5"/>
     <p:sldId id="268" r:id="rId6"/>
-    <p:sldId id="269" r:id="rId7"/>
-    <p:sldId id="270" r:id="rId8"/>
+    <p:sldId id="274" r:id="rId7"/>
+    <p:sldId id="269" r:id="rId8"/>
     <p:sldId id="271" r:id="rId9"/>
-    <p:sldId id="273" r:id="rId10"/>
+    <p:sldId id="275" r:id="rId10"/>
     <p:sldId id="272" r:id="rId11"/>
   </p:sldIdLst>
   <p:sldSz cx="12192000" cy="6858000"/>
@@ -124,6 +124,220 @@
 </p:presentation>
 </file>
 
+<file path=ppt/changesInfos/changesInfo1.xml><?xml version="1.0" encoding="utf-8"?>
+<pc:chgInfo xmlns:a="http://schemas.openxmlformats.org/drawingml/2006/main" xmlns:r="http://schemas.openxmlformats.org/officeDocument/2006/relationships" xmlns:ac="http://schemas.microsoft.com/office/drawing/2013/main/command" xmlns:pc="http://schemas.microsoft.com/office/powerpoint/2013/main/command">
+  <pc:docChgLst>
+    <pc:chgData name="孟嘉 姚" userId="dda262314aa0f11c" providerId="LiveId" clId="{6CEF1996-F507-412E-8FA9-4C8F79B848D5}"/>
+    <pc:docChg chg="undo custSel addSld delSld modSld">
+      <pc:chgData name="孟嘉 姚" userId="dda262314aa0f11c" providerId="LiveId" clId="{6CEF1996-F507-412E-8FA9-4C8F79B848D5}" dt="2024-04-05T03:16:48.957" v="143" actId="47"/>
+      <pc:docMkLst>
+        <pc:docMk/>
+      </pc:docMkLst>
+      <pc:sldChg chg="modTransition">
+        <pc:chgData name="孟嘉 姚" userId="dda262314aa0f11c" providerId="LiveId" clId="{6CEF1996-F507-412E-8FA9-4C8F79B848D5}" dt="2024-04-04T14:05:07.632" v="98"/>
+        <pc:sldMkLst>
+          <pc:docMk/>
+          <pc:sldMk cId="605375726" sldId="265"/>
+        </pc:sldMkLst>
+      </pc:sldChg>
+      <pc:sldChg chg="addSp delSp modSp mod delAnim modAnim">
+        <pc:chgData name="孟嘉 姚" userId="dda262314aa0f11c" providerId="LiveId" clId="{6CEF1996-F507-412E-8FA9-4C8F79B848D5}" dt="2024-04-04T12:57:12.609" v="59"/>
+        <pc:sldMkLst>
+          <pc:docMk/>
+          <pc:sldMk cId="1082792496" sldId="268"/>
+        </pc:sldMkLst>
+        <pc:spChg chg="del">
+          <ac:chgData name="孟嘉 姚" userId="dda262314aa0f11c" providerId="LiveId" clId="{6CEF1996-F507-412E-8FA9-4C8F79B848D5}" dt="2024-04-04T12:56:23.411" v="51" actId="478"/>
+          <ac:spMkLst>
+            <pc:docMk/>
+            <pc:sldMk cId="1082792496" sldId="268"/>
+            <ac:spMk id="2" creationId="{D91CC0E9-AE9D-401F-AEB0-94003A201395}"/>
+          </ac:spMkLst>
+        </pc:spChg>
+        <pc:spChg chg="add mod">
+          <ac:chgData name="孟嘉 姚" userId="dda262314aa0f11c" providerId="LiveId" clId="{6CEF1996-F507-412E-8FA9-4C8F79B848D5}" dt="2024-04-04T12:56:49.030" v="56" actId="1076"/>
+          <ac:spMkLst>
+            <pc:docMk/>
+            <pc:sldMk cId="1082792496" sldId="268"/>
+            <ac:spMk id="3" creationId="{0B3B9249-190D-43C3-B1C9-7D0A8E19E793}"/>
+          </ac:spMkLst>
+        </pc:spChg>
+        <pc:spChg chg="del mod">
+          <ac:chgData name="孟嘉 姚" userId="dda262314aa0f11c" providerId="LiveId" clId="{6CEF1996-F507-412E-8FA9-4C8F79B848D5}" dt="2024-04-04T12:56:22.220" v="50" actId="478"/>
+          <ac:spMkLst>
+            <pc:docMk/>
+            <pc:sldMk cId="1082792496" sldId="268"/>
+            <ac:spMk id="9" creationId="{BE0778A9-2252-4F3B-A2CD-EDACEB9FD881}"/>
+          </ac:spMkLst>
+        </pc:spChg>
+      </pc:sldChg>
+      <pc:sldChg chg="addSp delSp modSp mod modTransition addAnim delAnim modAnim">
+        <pc:chgData name="孟嘉 姚" userId="dda262314aa0f11c" providerId="LiveId" clId="{6CEF1996-F507-412E-8FA9-4C8F79B848D5}" dt="2024-04-04T13:01:38.897" v="86"/>
+        <pc:sldMkLst>
+          <pc:docMk/>
+          <pc:sldMk cId="2378819392" sldId="269"/>
+        </pc:sldMkLst>
+        <pc:spChg chg="add del">
+          <ac:chgData name="孟嘉 姚" userId="dda262314aa0f11c" providerId="LiveId" clId="{6CEF1996-F507-412E-8FA9-4C8F79B848D5}" dt="2024-04-04T12:57:51.070" v="62" actId="478"/>
+          <ac:spMkLst>
+            <pc:docMk/>
+            <pc:sldMk cId="2378819392" sldId="269"/>
+            <ac:spMk id="2" creationId="{D91CC0E9-AE9D-401F-AEB0-94003A201395}"/>
+          </ac:spMkLst>
+        </pc:spChg>
+        <pc:spChg chg="del">
+          <ac:chgData name="孟嘉 姚" userId="dda262314aa0f11c" providerId="LiveId" clId="{6CEF1996-F507-412E-8FA9-4C8F79B848D5}" dt="2024-04-04T12:57:52.392" v="63" actId="478"/>
+          <ac:spMkLst>
+            <pc:docMk/>
+            <pc:sldMk cId="2378819392" sldId="269"/>
+            <ac:spMk id="9" creationId="{BE0778A9-2252-4F3B-A2CD-EDACEB9FD881}"/>
+          </ac:spMkLst>
+        </pc:spChg>
+        <pc:spChg chg="add mod">
+          <ac:chgData name="孟嘉 姚" userId="dda262314aa0f11c" providerId="LiveId" clId="{6CEF1996-F507-412E-8FA9-4C8F79B848D5}" dt="2024-04-04T12:57:53.449" v="64"/>
+          <ac:spMkLst>
+            <pc:docMk/>
+            <pc:sldMk cId="2378819392" sldId="269"/>
+            <ac:spMk id="11" creationId="{1BF28F8E-8675-4CB4-A823-4EFEEC8A3816}"/>
+          </ac:spMkLst>
+        </pc:spChg>
+      </pc:sldChg>
+      <pc:sldChg chg="modSp del">
+        <pc:chgData name="孟嘉 姚" userId="dda262314aa0f11c" providerId="LiveId" clId="{6CEF1996-F507-412E-8FA9-4C8F79B848D5}" dt="2024-04-05T03:16:48.957" v="143" actId="47"/>
+        <pc:sldMkLst>
+          <pc:docMk/>
+          <pc:sldMk cId="3421845031" sldId="270"/>
+        </pc:sldMkLst>
+        <pc:spChg chg="mod">
+          <ac:chgData name="孟嘉 姚" userId="dda262314aa0f11c" providerId="LiveId" clId="{6CEF1996-F507-412E-8FA9-4C8F79B848D5}" dt="2024-04-04T12:55:04.373" v="47" actId="20577"/>
+          <ac:spMkLst>
+            <pc:docMk/>
+            <pc:sldMk cId="3421845031" sldId="270"/>
+            <ac:spMk id="5" creationId="{C3259C12-E34F-4DA5-AC9E-B81E5B695F1B}"/>
+          </ac:spMkLst>
+        </pc:spChg>
+      </pc:sldChg>
+      <pc:sldChg chg="delSp modSp mod modTransition">
+        <pc:chgData name="孟嘉 姚" userId="dda262314aa0f11c" providerId="LiveId" clId="{6CEF1996-F507-412E-8FA9-4C8F79B848D5}" dt="2024-04-05T03:16:47.670" v="142"/>
+        <pc:sldMkLst>
+          <pc:docMk/>
+          <pc:sldMk cId="3661251635" sldId="271"/>
+        </pc:sldMkLst>
+        <pc:spChg chg="mod">
+          <ac:chgData name="孟嘉 姚" userId="dda262314aa0f11c" providerId="LiveId" clId="{6CEF1996-F507-412E-8FA9-4C8F79B848D5}" dt="2024-04-05T03:16:37.092" v="138" actId="20577"/>
+          <ac:spMkLst>
+            <pc:docMk/>
+            <pc:sldMk cId="3661251635" sldId="271"/>
+            <ac:spMk id="3" creationId="{E4568192-5A4D-4971-87B7-FE6A8D1DE1BD}"/>
+          </ac:spMkLst>
+        </pc:spChg>
+        <pc:spChg chg="del">
+          <ac:chgData name="孟嘉 姚" userId="dda262314aa0f11c" providerId="LiveId" clId="{6CEF1996-F507-412E-8FA9-4C8F79B848D5}" dt="2024-04-04T12:53:48.732" v="25" actId="478"/>
+          <ac:spMkLst>
+            <pc:docMk/>
+            <pc:sldMk cId="3661251635" sldId="271"/>
+            <ac:spMk id="4" creationId="{7CD139FB-13CF-4360-8B04-9DCB10BD93DF}"/>
+          </ac:spMkLst>
+        </pc:spChg>
+        <pc:spChg chg="mod">
+          <ac:chgData name="孟嘉 姚" userId="dda262314aa0f11c" providerId="LiveId" clId="{6CEF1996-F507-412E-8FA9-4C8F79B848D5}" dt="2024-04-04T12:53:44.974" v="24" actId="20577"/>
+          <ac:spMkLst>
+            <pc:docMk/>
+            <pc:sldMk cId="3661251635" sldId="271"/>
+            <ac:spMk id="5" creationId="{C3259C12-E34F-4DA5-AC9E-B81E5B695F1B}"/>
+          </ac:spMkLst>
+        </pc:spChg>
+      </pc:sldChg>
+      <pc:sldChg chg="addSp delSp modSp del mod modTransition delAnim modAnim">
+        <pc:chgData name="孟嘉 姚" userId="dda262314aa0f11c" providerId="LiveId" clId="{6CEF1996-F507-412E-8FA9-4C8F79B848D5}" dt="2024-04-05T03:16:31.015" v="128" actId="47"/>
+        <pc:sldMkLst>
+          <pc:docMk/>
+          <pc:sldMk cId="2106988571" sldId="273"/>
+        </pc:sldMkLst>
+        <pc:spChg chg="del mod ord">
+          <ac:chgData name="孟嘉 姚" userId="dda262314aa0f11c" providerId="LiveId" clId="{6CEF1996-F507-412E-8FA9-4C8F79B848D5}" dt="2024-04-05T03:15:41.671" v="123" actId="478"/>
+          <ac:spMkLst>
+            <pc:docMk/>
+            <pc:sldMk cId="2106988571" sldId="273"/>
+            <ac:spMk id="3" creationId="{E4568192-5A4D-4971-87B7-FE6A8D1DE1BD}"/>
+          </ac:spMkLst>
+        </pc:spChg>
+        <pc:spChg chg="mod">
+          <ac:chgData name="孟嘉 姚" userId="dda262314aa0f11c" providerId="LiveId" clId="{6CEF1996-F507-412E-8FA9-4C8F79B848D5}" dt="2024-04-04T14:06:11.377" v="101" actId="1076"/>
+          <ac:spMkLst>
+            <pc:docMk/>
+            <pc:sldMk cId="2106988571" sldId="273"/>
+            <ac:spMk id="5" creationId="{C3259C12-E34F-4DA5-AC9E-B81E5B695F1B}"/>
+          </ac:spMkLst>
+        </pc:spChg>
+        <pc:spChg chg="add mod ord">
+          <ac:chgData name="孟嘉 姚" userId="dda262314aa0f11c" providerId="LiveId" clId="{6CEF1996-F507-412E-8FA9-4C8F79B848D5}" dt="2024-04-05T03:15:37.977" v="122" actId="167"/>
+          <ac:spMkLst>
+            <pc:docMk/>
+            <pc:sldMk cId="2106988571" sldId="273"/>
+            <ac:spMk id="6" creationId="{1CE1347D-2BEF-4C1A-A7F3-589D8ACC58F3}"/>
+          </ac:spMkLst>
+        </pc:spChg>
+        <pc:spChg chg="add del mod ord">
+          <ac:chgData name="孟嘉 姚" userId="dda262314aa0f11c" providerId="LiveId" clId="{6CEF1996-F507-412E-8FA9-4C8F79B848D5}" dt="2024-04-05T01:47:59.702" v="112" actId="478"/>
+          <ac:spMkLst>
+            <pc:docMk/>
+            <pc:sldMk cId="2106988571" sldId="273"/>
+            <ac:spMk id="6" creationId="{ED2F39AD-612B-4795-9FB2-63925EC393F8}"/>
+          </ac:spMkLst>
+        </pc:spChg>
+        <pc:picChg chg="ord">
+          <ac:chgData name="孟嘉 姚" userId="dda262314aa0f11c" providerId="LiveId" clId="{6CEF1996-F507-412E-8FA9-4C8F79B848D5}" dt="2024-04-05T03:15:46.882" v="124" actId="167"/>
+          <ac:picMkLst>
+            <pc:docMk/>
+            <pc:sldMk cId="2106988571" sldId="273"/>
+            <ac:picMk id="2" creationId="{641C0411-2BF9-4C97-9198-FEFA5BC9F3C8}"/>
+          </ac:picMkLst>
+        </pc:picChg>
+      </pc:sldChg>
+      <pc:sldChg chg="addSp delSp modSp new mod modTransition setBg">
+        <pc:chgData name="孟嘉 姚" userId="dda262314aa0f11c" providerId="LiveId" clId="{6CEF1996-F507-412E-8FA9-4C8F79B848D5}" dt="2024-04-04T13:02:40.174" v="97" actId="478"/>
+        <pc:sldMkLst>
+          <pc:docMk/>
+          <pc:sldMk cId="2052232377" sldId="274"/>
+        </pc:sldMkLst>
+        <pc:picChg chg="add del mod">
+          <ac:chgData name="孟嘉 姚" userId="dda262314aa0f11c" providerId="LiveId" clId="{6CEF1996-F507-412E-8FA9-4C8F79B848D5}" dt="2024-04-04T13:02:40.174" v="97" actId="478"/>
+          <ac:picMkLst>
+            <pc:docMk/>
+            <pc:sldMk cId="2052232377" sldId="274"/>
+            <ac:picMk id="2" creationId="{D00E1E95-6471-4505-9880-5FD7FEBBCB27}"/>
+          </ac:picMkLst>
+        </pc:picChg>
+      </pc:sldChg>
+      <pc:sldChg chg="modSp add mod">
+        <pc:chgData name="孟嘉 姚" userId="dda262314aa0f11c" providerId="LiveId" clId="{6CEF1996-F507-412E-8FA9-4C8F79B848D5}" dt="2024-04-05T03:16:41.646" v="141" actId="20577"/>
+        <pc:sldMkLst>
+          <pc:docMk/>
+          <pc:sldMk cId="1956720675" sldId="275"/>
+        </pc:sldMkLst>
+        <pc:spChg chg="mod">
+          <ac:chgData name="孟嘉 姚" userId="dda262314aa0f11c" providerId="LiveId" clId="{6CEF1996-F507-412E-8FA9-4C8F79B848D5}" dt="2024-04-05T03:16:41.646" v="141" actId="20577"/>
+          <ac:spMkLst>
+            <pc:docMk/>
+            <pc:sldMk cId="1956720675" sldId="275"/>
+            <ac:spMk id="3" creationId="{E4568192-5A4D-4971-87B7-FE6A8D1DE1BD}"/>
+          </ac:spMkLst>
+        </pc:spChg>
+        <pc:spChg chg="mod">
+          <ac:chgData name="孟嘉 姚" userId="dda262314aa0f11c" providerId="LiveId" clId="{6CEF1996-F507-412E-8FA9-4C8F79B848D5}" dt="2024-04-05T03:16:29.458" v="127"/>
+          <ac:spMkLst>
+            <pc:docMk/>
+            <pc:sldMk cId="1956720675" sldId="275"/>
+            <ac:spMk id="5" creationId="{C3259C12-E34F-4DA5-AC9E-B81E5B695F1B}"/>
+          </ac:spMkLst>
+        </pc:spChg>
+      </pc:sldChg>
+    </pc:docChg>
+  </pc:docChgLst>
+</pc:chgInfo>
+</file>
+
 <file path=ppt/notesMasters/notesMaster1.xml><?xml version="1.0" encoding="utf-8"?>
 <p:notesMaster xmlns:a="http://schemas.openxmlformats.org/drawingml/2006/main" xmlns:r="http://schemas.openxmlformats.org/officeDocument/2006/relationships" xmlns:p="http://schemas.openxmlformats.org/presentationml/2006/main">
   <p:cSld>
@@ -206,7 +420,7 @@
           <a:p>
             <a:fld id="{072C3893-84BB-452D-9CC8-E0F8C1B5883D}" type="datetimeFigureOut">
               <a:rPr lang="zh-CN" altLang="en-US" smtClean="0"/>
-              <a:t>2024/4/3</a:t>
+              <a:t>2024/4/5</a:t>
             </a:fld>
             <a:endParaRPr lang="zh-CN" altLang="en-US"/>
           </a:p>
@@ -631,6 +845,90 @@
     </p:spTree>
     <p:extLst>
       <p:ext uri="{BB962C8B-B14F-4D97-AF65-F5344CB8AC3E}">
+        <p14:creationId xmlns:p14="http://schemas.microsoft.com/office/powerpoint/2010/main" val="444942063"/>
+      </p:ext>
+    </p:extLst>
+  </p:cSld>
+  <p:clrMapOvr>
+    <a:masterClrMapping/>
+  </p:clrMapOvr>
+</p:notes>
+</file>
+
+<file path=ppt/notesSlides/notesSlide3.xml><?xml version="1.0" encoding="utf-8"?>
+<p:notes xmlns:a="http://schemas.openxmlformats.org/drawingml/2006/main" xmlns:r="http://schemas.openxmlformats.org/officeDocument/2006/relationships" xmlns:p="http://schemas.openxmlformats.org/presentationml/2006/main">
+  <p:cSld>
+    <p:spTree>
+      <p:nvGrpSpPr>
+        <p:cNvPr id="1" name=""/>
+        <p:cNvGrpSpPr/>
+        <p:nvPr/>
+      </p:nvGrpSpPr>
+      <p:grpSpPr>
+        <a:xfrm>
+          <a:off x="0" y="0"/>
+          <a:ext cx="0" cy="0"/>
+          <a:chOff x="0" y="0"/>
+          <a:chExt cx="0" cy="0"/>
+        </a:xfrm>
+      </p:grpSpPr>
+      <p:sp>
+        <p:nvSpPr>
+          <p:cNvPr id="2" name="幻灯片图像占位符 1"/>
+          <p:cNvSpPr>
+            <a:spLocks noGrp="1" noRot="1" noChangeAspect="1"/>
+          </p:cNvSpPr>
+          <p:nvPr>
+            <p:ph type="sldImg"/>
+          </p:nvPr>
+        </p:nvSpPr>
+        <p:spPr/>
+      </p:sp>
+      <p:sp>
+        <p:nvSpPr>
+          <p:cNvPr id="3" name="备注占位符 2"/>
+          <p:cNvSpPr>
+            <a:spLocks noGrp="1"/>
+          </p:cNvSpPr>
+          <p:nvPr>
+            <p:ph type="body" idx="1"/>
+          </p:nvPr>
+        </p:nvSpPr>
+        <p:spPr/>
+        <p:txBody>
+          <a:bodyPr/>
+          <a:lstStyle/>
+          <a:p>
+            <a:endParaRPr lang="zh-CN" altLang="en-US" dirty="0"/>
+          </a:p>
+        </p:txBody>
+      </p:sp>
+      <p:sp>
+        <p:nvSpPr>
+          <p:cNvPr id="4" name="灯片编号占位符 3"/>
+          <p:cNvSpPr>
+            <a:spLocks noGrp="1"/>
+          </p:cNvSpPr>
+          <p:nvPr>
+            <p:ph type="sldNum" sz="quarter" idx="5"/>
+          </p:nvPr>
+        </p:nvSpPr>
+        <p:spPr/>
+        <p:txBody>
+          <a:bodyPr/>
+          <a:lstStyle/>
+          <a:p>
+            <a:fld id="{C3836BC9-50F5-4844-905F-E365730C6D57}" type="slidenum">
+              <a:rPr lang="zh-CN" altLang="en-US" smtClean="0"/>
+              <a:t>7</a:t>
+            </a:fld>
+            <a:endParaRPr lang="zh-CN" altLang="en-US"/>
+          </a:p>
+        </p:txBody>
+      </p:sp>
+    </p:spTree>
+    <p:extLst>
+      <p:ext uri="{BB962C8B-B14F-4D97-AF65-F5344CB8AC3E}">
         <p14:creationId xmlns:p14="http://schemas.microsoft.com/office/powerpoint/2010/main" val="1161860385"/>
       </p:ext>
     </p:extLst>
@@ -641,7 +939,7 @@
 </p:notes>
 </file>
 
-<file path=ppt/notesSlides/notesSlide3.xml><?xml version="1.0" encoding="utf-8"?>
+<file path=ppt/notesSlides/notesSlide4.xml><?xml version="1.0" encoding="utf-8"?>
 <p:notes xmlns:a="http://schemas.openxmlformats.org/drawingml/2006/main" xmlns:r="http://schemas.openxmlformats.org/officeDocument/2006/relationships" xmlns:p="http://schemas.openxmlformats.org/presentationml/2006/main">
   <p:cSld>
     <p:spTree>
@@ -872,7 +1170,7 @@
           <a:p>
             <a:fld id="{B186D005-27B3-4530-88CC-6C338BE7CA4D}" type="datetimeFigureOut">
               <a:rPr lang="zh-CN" altLang="en-US" smtClean="0"/>
-              <a:t>2024/4/3</a:t>
+              <a:t>2024/4/5</a:t>
             </a:fld>
             <a:endParaRPr lang="zh-CN" altLang="en-US"/>
           </a:p>
@@ -1070,7 +1368,7 @@
           <a:p>
             <a:fld id="{B186D005-27B3-4530-88CC-6C338BE7CA4D}" type="datetimeFigureOut">
               <a:rPr lang="zh-CN" altLang="en-US" smtClean="0"/>
-              <a:t>2024/4/3</a:t>
+              <a:t>2024/4/5</a:t>
             </a:fld>
             <a:endParaRPr lang="zh-CN" altLang="en-US"/>
           </a:p>
@@ -1278,7 +1576,7 @@
           <a:p>
             <a:fld id="{B186D005-27B3-4530-88CC-6C338BE7CA4D}" type="datetimeFigureOut">
               <a:rPr lang="zh-CN" altLang="en-US" smtClean="0"/>
-              <a:t>2024/4/3</a:t>
+              <a:t>2024/4/5</a:t>
             </a:fld>
             <a:endParaRPr lang="zh-CN" altLang="en-US"/>
           </a:p>
@@ -1552,7 +1850,7 @@
           <a:p>
             <a:fld id="{B186D005-27B3-4530-88CC-6C338BE7CA4D}" type="datetimeFigureOut">
               <a:rPr lang="zh-CN" altLang="en-US" smtClean="0"/>
-              <a:t>2024/4/3</a:t>
+              <a:t>2024/4/5</a:t>
             </a:fld>
             <a:endParaRPr lang="zh-CN" altLang="en-US"/>
           </a:p>
@@ -1827,7 +2125,7 @@
           <a:p>
             <a:fld id="{B186D005-27B3-4530-88CC-6C338BE7CA4D}" type="datetimeFigureOut">
               <a:rPr lang="zh-CN" altLang="en-US" smtClean="0"/>
-              <a:t>2024/4/3</a:t>
+              <a:t>2024/4/5</a:t>
             </a:fld>
             <a:endParaRPr lang="zh-CN" altLang="en-US"/>
           </a:p>
@@ -2092,7 +2390,7 @@
           <a:p>
             <a:fld id="{B186D005-27B3-4530-88CC-6C338BE7CA4D}" type="datetimeFigureOut">
               <a:rPr lang="zh-CN" altLang="en-US" smtClean="0"/>
-              <a:t>2024/4/3</a:t>
+              <a:t>2024/4/5</a:t>
             </a:fld>
             <a:endParaRPr lang="zh-CN" altLang="en-US"/>
           </a:p>
@@ -2504,7 +2802,7 @@
           <a:p>
             <a:fld id="{B186D005-27B3-4530-88CC-6C338BE7CA4D}" type="datetimeFigureOut">
               <a:rPr lang="zh-CN" altLang="en-US" smtClean="0"/>
-              <a:t>2024/4/3</a:t>
+              <a:t>2024/4/5</a:t>
             </a:fld>
             <a:endParaRPr lang="zh-CN" altLang="en-US"/>
           </a:p>
@@ -2645,7 +2943,7 @@
           <a:p>
             <a:fld id="{B186D005-27B3-4530-88CC-6C338BE7CA4D}" type="datetimeFigureOut">
               <a:rPr lang="zh-CN" altLang="en-US" smtClean="0"/>
-              <a:t>2024/4/3</a:t>
+              <a:t>2024/4/5</a:t>
             </a:fld>
             <a:endParaRPr lang="zh-CN" altLang="en-US"/>
           </a:p>
@@ -2758,7 +3056,7 @@
           <a:p>
             <a:fld id="{B186D005-27B3-4530-88CC-6C338BE7CA4D}" type="datetimeFigureOut">
               <a:rPr lang="zh-CN" altLang="en-US" smtClean="0"/>
-              <a:t>2024/4/3</a:t>
+              <a:t>2024/4/5</a:t>
             </a:fld>
             <a:endParaRPr lang="zh-CN" altLang="en-US"/>
           </a:p>
@@ -3069,7 +3367,7 @@
           <a:p>
             <a:fld id="{B186D005-27B3-4530-88CC-6C338BE7CA4D}" type="datetimeFigureOut">
               <a:rPr lang="zh-CN" altLang="en-US" smtClean="0"/>
-              <a:t>2024/4/3</a:t>
+              <a:t>2024/4/5</a:t>
             </a:fld>
             <a:endParaRPr lang="zh-CN" altLang="en-US"/>
           </a:p>
@@ -3357,7 +3655,7 @@
           <a:p>
             <a:fld id="{B186D005-27B3-4530-88CC-6C338BE7CA4D}" type="datetimeFigureOut">
               <a:rPr lang="zh-CN" altLang="en-US" smtClean="0"/>
-              <a:t>2024/4/3</a:t>
+              <a:t>2024/4/5</a:t>
             </a:fld>
             <a:endParaRPr lang="zh-CN" altLang="en-US"/>
           </a:p>
@@ -3598,7 +3896,7 @@
           <a:p>
             <a:fld id="{B186D005-27B3-4530-88CC-6C338BE7CA4D}" type="datetimeFigureOut">
               <a:rPr lang="zh-CN" altLang="en-US" smtClean="0"/>
-              <a:t>2024/4/3</a:t>
+              <a:t>2024/4/5</a:t>
             </a:fld>
             <a:endParaRPr lang="zh-CN" altLang="en-US"/>
           </a:p>
@@ -4564,13 +4862,13 @@
   <p:clrMapOvr>
     <a:masterClrMapping/>
   </p:clrMapOvr>
-  <mc:AlternateContent xmlns:mc="http://schemas.openxmlformats.org/markup-compatibility/2006">
-    <mc:Choice xmlns:p15="http://schemas.microsoft.com/office/powerpoint/2012/main" Requires="p15">
+  <mc:AlternateContent xmlns:mc="http://schemas.openxmlformats.org/markup-compatibility/2006" xmlns:p15="http://schemas.microsoft.com/office/powerpoint/2012/main">
+    <mc:Choice Requires="p15">
       <p:transition xmlns:p14="http://schemas.microsoft.com/office/powerpoint/2010/main" spd="slow" p14:dur="2000">
         <p15:prstTrans prst="prestige"/>
       </p:transition>
     </mc:Choice>
-    <mc:Fallback>
+    <mc:Fallback xmlns="">
       <p:transition spd="slow">
         <p:fade/>
       </p:transition>
@@ -4832,8 +5130,8 @@
   </p:clrMapOvr>
   <mc:AlternateContent xmlns:mc="http://schemas.openxmlformats.org/markup-compatibility/2006" xmlns:p15="http://schemas.microsoft.com/office/powerpoint/2012/main">
     <mc:Choice Requires="p15">
-      <p:transition xmlns:p14="http://schemas.microsoft.com/office/powerpoint/2010/main" spd="slow" p14:dur="2000" advClick="0" advTm="500">
-        <p15:prstTrans prst="drape"/>
+      <p:transition xmlns:p14="http://schemas.microsoft.com/office/powerpoint/2010/main" spd="slow" p14:dur="6000" advClick="0" advTm="500">
+        <p15:prstTrans prst="curtains"/>
       </p:transition>
     </mc:Choice>
     <mc:Fallback xmlns="">
@@ -5192,7 +5490,7 @@
                             </p:stCondLst>
                             <p:childTnLst>
                               <p:par>
-                                <p:cTn id="5" presetID="9" presetClass="emph" presetSubtype="0" grpId="4" nodeType="withEffect">
+                                <p:cTn id="5" presetID="9" presetClass="emph" presetSubtype="0" grpId="1" nodeType="withEffect">
                                   <p:stCondLst>
                                     <p:cond delay="0"/>
                                   </p:stCondLst>
@@ -5223,7 +5521,7 @@
                                 </p:cTn>
                               </p:par>
                               <p:par>
-                                <p:cTn id="8" presetID="9" presetClass="emph" presetSubtype="0" grpId="3" nodeType="withEffect">
+                                <p:cTn id="8" presetID="9" presetClass="emph" presetSubtype="0" grpId="1" nodeType="withEffect">
                                   <p:stCondLst>
                                     <p:cond delay="0"/>
                                   </p:stCondLst>
@@ -5254,7 +5552,7 @@
                                 </p:cTn>
                               </p:par>
                               <p:par>
-                                <p:cTn id="11" presetID="9" presetClass="emph" presetSubtype="0" grpId="3" nodeType="withEffect">
+                                <p:cTn id="11" presetID="9" presetClass="emph" presetSubtype="0" grpId="1" nodeType="withEffect">
                                   <p:stCondLst>
                                     <p:cond delay="0"/>
                                   </p:stCondLst>
@@ -5285,7 +5583,7 @@
                                 </p:cTn>
                               </p:par>
                               <p:par>
-                                <p:cTn id="14" presetID="9" presetClass="emph" presetSubtype="0" grpId="3" nodeType="withEffect">
+                                <p:cTn id="14" presetID="9" presetClass="emph" presetSubtype="0" grpId="1" nodeType="withEffect">
                                   <p:stCondLst>
                                     <p:cond delay="500"/>
                                   </p:stCondLst>
@@ -5325,7 +5623,7 @@
                             </p:stCondLst>
                             <p:childTnLst>
                               <p:par>
-                                <p:cTn id="18" presetID="9" presetClass="emph" presetSubtype="0" grpId="5" nodeType="afterEffect">
+                                <p:cTn id="18" presetID="9" presetClass="emph" presetSubtype="0" grpId="2" nodeType="afterEffect">
                                   <p:stCondLst>
                                     <p:cond delay="500"/>
                                   </p:stCondLst>
@@ -5356,7 +5654,7 @@
                                 </p:cTn>
                               </p:par>
                               <p:par>
-                                <p:cTn id="21" presetID="42" presetClass="path" presetSubtype="0" accel="50000" decel="50000" fill="hold" grpId="3" nodeType="withEffect">
+                                <p:cTn id="21" presetID="42" presetClass="path" presetSubtype="0" accel="50000" decel="50000" fill="hold" grpId="0" nodeType="withEffect">
                                   <p:stCondLst>
                                     <p:cond delay="0"/>
                                   </p:stCondLst>
@@ -5378,7 +5676,7 @@
                                 </p:cTn>
                               </p:par>
                               <p:par>
-                                <p:cTn id="23" presetID="9" presetClass="emph" presetSubtype="0" grpId="4" nodeType="withEffect">
+                                <p:cTn id="23" presetID="9" presetClass="emph" presetSubtype="0" grpId="2" nodeType="withEffect">
                                   <p:stCondLst>
                                     <p:cond delay="1000"/>
                                   </p:stCondLst>
@@ -5409,7 +5707,7 @@
                                 </p:cTn>
                               </p:par>
                               <p:par>
-                                <p:cTn id="26" presetID="42" presetClass="path" presetSubtype="0" accel="50000" decel="50000" fill="hold" grpId="2" nodeType="withEffect">
+                                <p:cTn id="26" presetID="42" presetClass="path" presetSubtype="0" accel="50000" decel="50000" fill="hold" grpId="0" nodeType="withEffect">
                                   <p:stCondLst>
                                     <p:cond delay="500"/>
                                   </p:stCondLst>
@@ -5431,7 +5729,7 @@
                                 </p:cTn>
                               </p:par>
                               <p:par>
-                                <p:cTn id="28" presetID="9" presetClass="emph" presetSubtype="0" grpId="4" nodeType="withEffect">
+                                <p:cTn id="28" presetID="9" presetClass="emph" presetSubtype="0" grpId="2" nodeType="withEffect">
                                   <p:stCondLst>
                                     <p:cond delay="1500"/>
                                   </p:stCondLst>
@@ -5462,7 +5760,7 @@
                                 </p:cTn>
                               </p:par>
                               <p:par>
-                                <p:cTn id="31" presetID="42" presetClass="path" presetSubtype="0" accel="50000" decel="50000" fill="hold" grpId="2" nodeType="withEffect">
+                                <p:cTn id="31" presetID="42" presetClass="path" presetSubtype="0" accel="50000" decel="50000" fill="hold" grpId="0" nodeType="withEffect">
                                   <p:stCondLst>
                                     <p:cond delay="1000"/>
                                   </p:stCondLst>
@@ -5484,7 +5782,7 @@
                                 </p:cTn>
                               </p:par>
                               <p:par>
-                                <p:cTn id="33" presetID="9" presetClass="emph" presetSubtype="0" grpId="4" nodeType="withEffect">
+                                <p:cTn id="33" presetID="9" presetClass="emph" presetSubtype="0" grpId="2" nodeType="withEffect">
                                   <p:stCondLst>
                                     <p:cond delay="2000"/>
                                   </p:stCondLst>
@@ -5515,7 +5813,7 @@
                                 </p:cTn>
                               </p:par>
                               <p:par>
-                                <p:cTn id="36" presetID="42" presetClass="path" presetSubtype="0" accel="50000" decel="50000" fill="hold" grpId="2" nodeType="withEffect">
+                                <p:cTn id="36" presetID="42" presetClass="path" presetSubtype="0" accel="50000" decel="50000" fill="hold" grpId="0" nodeType="withEffect">
                                   <p:stCondLst>
                                     <p:cond delay="1500"/>
                                   </p:stCondLst>
@@ -5564,18 +5862,18 @@
       </p:par>
     </p:tnLst>
     <p:bldLst>
-      <p:bldP spid="9" grpId="3"/>
-      <p:bldP spid="9" grpId="4"/>
-      <p:bldP spid="9" grpId="5"/>
+      <p:bldP spid="9" grpId="0"/>
+      <p:bldP spid="9" grpId="1"/>
+      <p:bldP spid="9" grpId="2"/>
+      <p:bldP spid="10" grpId="0"/>
+      <p:bldP spid="10" grpId="1"/>
       <p:bldP spid="10" grpId="2"/>
-      <p:bldP spid="10" grpId="3"/>
-      <p:bldP spid="10" grpId="4"/>
+      <p:bldP spid="11" grpId="0"/>
+      <p:bldP spid="11" grpId="1"/>
       <p:bldP spid="11" grpId="2"/>
-      <p:bldP spid="11" grpId="3"/>
-      <p:bldP spid="11" grpId="4"/>
+      <p:bldP spid="12" grpId="0"/>
+      <p:bldP spid="12" grpId="1"/>
       <p:bldP spid="12" grpId="2"/>
-      <p:bldP spid="12" grpId="3"/>
-      <p:bldP spid="12" grpId="4"/>
     </p:bldLst>
   </p:timing>
 </p:sld>
@@ -6029,10 +6327,10 @@
       </p:sp>
       <p:sp>
         <p:nvSpPr>
-          <p:cNvPr id="2" name="文本框 1">
-            <a:extLst>
-              <a:ext uri="{FF2B5EF4-FFF2-40B4-BE49-F238E27FC236}">
-                <a16:creationId xmlns:a16="http://schemas.microsoft.com/office/drawing/2014/main" id="{D91CC0E9-AE9D-401F-AEB0-94003A201395}"/>
+          <p:cNvPr id="3" name="文本框 2">
+            <a:extLst>
+              <a:ext uri="{FF2B5EF4-FFF2-40B4-BE49-F238E27FC236}">
+                <a16:creationId xmlns:a16="http://schemas.microsoft.com/office/drawing/2014/main" id="{0B3B9249-190D-43C3-B1C9-7D0A8E19E793}"/>
               </a:ext>
             </a:extLst>
           </p:cNvPr>
@@ -6041,8 +6339,8 @@
         </p:nvSpPr>
         <p:spPr>
           <a:xfrm>
-            <a:off x="2589099" y="1867484"/>
-            <a:ext cx="1415772" cy="1569660"/>
+            <a:off x="1997476" y="1764877"/>
+            <a:ext cx="5109091" cy="1846659"/>
           </a:xfrm>
           <a:prstGeom prst="rect">
             <a:avLst/>
@@ -6057,49 +6355,20 @@
           <a:p>
             <a:r>
               <a:rPr lang="zh-CN" altLang="en-US" sz="9600" dirty="0">
+                <a:solidFill>
+                  <a:schemeClr val="tx1">
+                    <a:lumMod val="75000"/>
+                    <a:lumOff val="25000"/>
+                  </a:schemeClr>
+                </a:solidFill>
                 <a:latin typeface="华文行楷" panose="02010800040101010101" pitchFamily="2" charset="-122"/>
                 <a:ea typeface="华文行楷" panose="02010800040101010101" pitchFamily="2" charset="-122"/>
               </a:rPr>
-              <a:t>相</a:t>
-            </a:r>
-          </a:p>
-        </p:txBody>
-      </p:sp>
-      <p:sp>
-        <p:nvSpPr>
-          <p:cNvPr id="9" name="文本框 8">
-            <a:extLst>
-              <a:ext uri="{FF2B5EF4-FFF2-40B4-BE49-F238E27FC236}">
-                <a16:creationId xmlns:a16="http://schemas.microsoft.com/office/drawing/2014/main" id="{BE0778A9-2252-4F3B-A2CD-EDACEB9FD881}"/>
-              </a:ext>
-            </a:extLst>
-          </p:cNvPr>
-          <p:cNvSpPr txBox="1"/>
-          <p:nvPr/>
-        </p:nvSpPr>
-        <p:spPr>
-          <a:xfrm>
-            <a:off x="5388114" y="1859340"/>
-            <a:ext cx="1415772" cy="1569660"/>
-          </a:xfrm>
-          <a:prstGeom prst="rect">
-            <a:avLst/>
-          </a:prstGeom>
-          <a:noFill/>
-        </p:spPr>
-        <p:txBody>
-          <a:bodyPr wrap="none" rtlCol="0">
-            <a:spAutoFit/>
-          </a:bodyPr>
-          <a:lstStyle/>
-          <a:p>
-            <a:r>
-              <a:rPr lang="zh-CN" altLang="en-US" sz="9600" dirty="0">
-                <a:latin typeface="华文行楷" panose="02010800040101010101" pitchFamily="2" charset="-122"/>
-                <a:ea typeface="华文行楷" panose="02010800040101010101" pitchFamily="2" charset="-122"/>
-              </a:rPr>
-              <a:t>声</a:t>
-            </a:r>
+              <a:t>谈礼而哂</a:t>
+            </a:r>
+          </a:p>
+          <a:p>
+            <a:endParaRPr lang="zh-CN" altLang="en-US" dirty="0"/>
           </a:p>
         </p:txBody>
       </p:sp>
@@ -6149,7 +6418,7 @@
                             </p:stCondLst>
                             <p:childTnLst>
                               <p:par>
-                                <p:cTn id="5" presetID="2" presetClass="entr" presetSubtype="8" fill="hold" grpId="0" nodeType="withEffect">
+                                <p:cTn id="5" presetID="2" presetClass="entr" presetSubtype="2" fill="hold" grpId="0" nodeType="withEffect">
                                   <p:stCondLst>
                                     <p:cond delay="0"/>
                                   </p:stCondLst>
@@ -6162,7 +6431,7 @@
                                           </p:stCondLst>
                                         </p:cTn>
                                         <p:tgtEl>
-                                          <p:spTgt spid="2"/>
+                                          <p:spTgt spid="3"/>
                                         </p:tgtEl>
                                         <p:attrNameLst>
                                           <p:attrName>style.visibility</p:attrName>
@@ -6176,80 +6445,7 @@
                                       <p:cBhvr additive="base">
                                         <p:cTn id="7" dur="500" fill="hold"/>
                                         <p:tgtEl>
-                                          <p:spTgt spid="2"/>
-                                        </p:tgtEl>
-                                        <p:attrNameLst>
-                                          <p:attrName>ppt_x</p:attrName>
-                                        </p:attrNameLst>
-                                      </p:cBhvr>
-                                      <p:tavLst>
-                                        <p:tav tm="0">
-                                          <p:val>
-                                            <p:strVal val="0-#ppt_w/2"/>
-                                          </p:val>
-                                        </p:tav>
-                                        <p:tav tm="100000">
-                                          <p:val>
-                                            <p:strVal val="#ppt_x"/>
-                                          </p:val>
-                                        </p:tav>
-                                      </p:tavLst>
-                                    </p:anim>
-                                    <p:anim calcmode="lin" valueType="num">
-                                      <p:cBhvr additive="base">
-                                        <p:cTn id="8" dur="500" fill="hold"/>
-                                        <p:tgtEl>
-                                          <p:spTgt spid="2"/>
-                                        </p:tgtEl>
-                                        <p:attrNameLst>
-                                          <p:attrName>ppt_y</p:attrName>
-                                        </p:attrNameLst>
-                                      </p:cBhvr>
-                                      <p:tavLst>
-                                        <p:tav tm="0">
-                                          <p:val>
-                                            <p:strVal val="#ppt_y"/>
-                                          </p:val>
-                                        </p:tav>
-                                        <p:tav tm="100000">
-                                          <p:val>
-                                            <p:strVal val="#ppt_y"/>
-                                          </p:val>
-                                        </p:tav>
-                                      </p:tavLst>
-                                    </p:anim>
-                                  </p:childTnLst>
-                                </p:cTn>
-                              </p:par>
-                              <p:par>
-                                <p:cTn id="9" presetID="2" presetClass="entr" presetSubtype="2" fill="hold" grpId="0" nodeType="withEffect">
-                                  <p:stCondLst>
-                                    <p:cond delay="0"/>
-                                  </p:stCondLst>
-                                  <p:childTnLst>
-                                    <p:set>
-                                      <p:cBhvr>
-                                        <p:cTn id="10" dur="1" fill="hold">
-                                          <p:stCondLst>
-                                            <p:cond delay="0"/>
-                                          </p:stCondLst>
-                                        </p:cTn>
-                                        <p:tgtEl>
-                                          <p:spTgt spid="9"/>
-                                        </p:tgtEl>
-                                        <p:attrNameLst>
-                                          <p:attrName>style.visibility</p:attrName>
-                                        </p:attrNameLst>
-                                      </p:cBhvr>
-                                      <p:to>
-                                        <p:strVal val="visible"/>
-                                      </p:to>
-                                    </p:set>
-                                    <p:anim calcmode="lin" valueType="num">
-                                      <p:cBhvr additive="base">
-                                        <p:cTn id="11" dur="500" fill="hold"/>
-                                        <p:tgtEl>
-                                          <p:spTgt spid="9"/>
+                                          <p:spTgt spid="3"/>
                                         </p:tgtEl>
                                         <p:attrNameLst>
                                           <p:attrName>ppt_x</p:attrName>
@@ -6270,9 +6466,9 @@
                                     </p:anim>
                                     <p:anim calcmode="lin" valueType="num">
                                       <p:cBhvr additive="base">
-                                        <p:cTn id="12" dur="500" fill="hold"/>
+                                        <p:cTn id="8" dur="500" fill="hold"/>
                                         <p:tgtEl>
-                                          <p:spTgt spid="9"/>
+                                          <p:spTgt spid="3"/>
                                         </p:tgtEl>
                                         <p:attrNameLst>
                                           <p:attrName>ppt_y</p:attrName>
@@ -6322,14 +6518,69 @@
       </p:par>
     </p:tnLst>
     <p:bldLst>
-      <p:bldP spid="2" grpId="0"/>
-      <p:bldP spid="9" grpId="0"/>
+      <p:bldP spid="3" grpId="0"/>
     </p:bldLst>
   </p:timing>
 </p:sld>
 </file>
 
 <file path=ppt/slides/slide6.xml><?xml version="1.0" encoding="utf-8"?>
+<p:sld xmlns:a="http://schemas.openxmlformats.org/drawingml/2006/main" xmlns:r="http://schemas.openxmlformats.org/officeDocument/2006/relationships" xmlns:p="http://schemas.openxmlformats.org/presentationml/2006/main">
+  <p:cSld>
+    <p:bg>
+      <p:bgPr>
+        <a:blipFill dpi="0" rotWithShape="1">
+          <a:blip r:embed="rId3">
+            <a:lum/>
+          </a:blip>
+          <a:srcRect/>
+          <a:stretch>
+            <a:fillRect/>
+          </a:stretch>
+        </a:blipFill>
+        <a:effectLst/>
+      </p:bgPr>
+    </p:bg>
+    <p:spTree>
+      <p:nvGrpSpPr>
+        <p:cNvPr id="1" name=""/>
+        <p:cNvGrpSpPr/>
+        <p:nvPr/>
+      </p:nvGrpSpPr>
+      <p:grpSpPr>
+        <a:xfrm>
+          <a:off x="0" y="0"/>
+          <a:ext cx="0" cy="0"/>
+          <a:chOff x="0" y="0"/>
+          <a:chExt cx="0" cy="0"/>
+        </a:xfrm>
+      </p:grpSpPr>
+    </p:spTree>
+    <p:extLst>
+      <p:ext uri="{BB962C8B-B14F-4D97-AF65-F5344CB8AC3E}">
+        <p14:creationId xmlns:p14="http://schemas.microsoft.com/office/powerpoint/2010/main" val="2052232377"/>
+      </p:ext>
+    </p:extLst>
+  </p:cSld>
+  <p:clrMapOvr>
+    <a:masterClrMapping/>
+  </p:clrMapOvr>
+  <mc:AlternateContent xmlns:mc="http://schemas.openxmlformats.org/markup-compatibility/2006" xmlns:p14="http://schemas.microsoft.com/office/powerpoint/2010/main">
+    <mc:Choice Requires="p14">
+      <p:transition spd="slow" p14:dur="1250">
+        <p14:switch dir="r"/>
+      </p:transition>
+    </mc:Choice>
+    <mc:Fallback xmlns="">
+      <p:transition spd="slow">
+        <p:fade/>
+      </p:transition>
+    </mc:Fallback>
+  </mc:AlternateContent>
+</p:sld>
+</file>
+
+<file path=ppt/slides/slide7.xml><?xml version="1.0" encoding="utf-8"?>
 <p:sld xmlns:a="http://schemas.openxmlformats.org/drawingml/2006/main" xmlns:r="http://schemas.openxmlformats.org/officeDocument/2006/relationships" xmlns:p="http://schemas.openxmlformats.org/presentationml/2006/main">
   <p:cSld>
     <p:spTree>
@@ -6612,10 +6863,10 @@
       </p:sp>
       <p:sp>
         <p:nvSpPr>
-          <p:cNvPr id="2" name="文本框 1">
-            <a:extLst>
-              <a:ext uri="{FF2B5EF4-FFF2-40B4-BE49-F238E27FC236}">
-                <a16:creationId xmlns:a16="http://schemas.microsoft.com/office/drawing/2014/main" id="{D91CC0E9-AE9D-401F-AEB0-94003A201395}"/>
+          <p:cNvPr id="11" name="文本框 10">
+            <a:extLst>
+              <a:ext uri="{FF2B5EF4-FFF2-40B4-BE49-F238E27FC236}">
+                <a16:creationId xmlns:a16="http://schemas.microsoft.com/office/drawing/2014/main" id="{1BF28F8E-8675-4CB4-A823-4EFEEC8A3816}"/>
               </a:ext>
             </a:extLst>
           </p:cNvPr>
@@ -6624,8 +6875,8 @@
         </p:nvSpPr>
         <p:spPr>
           <a:xfrm>
-            <a:off x="2589099" y="1867484"/>
-            <a:ext cx="1415772" cy="1569660"/>
+            <a:off x="1997476" y="1764877"/>
+            <a:ext cx="5109091" cy="1846659"/>
           </a:xfrm>
           <a:prstGeom prst="rect">
             <a:avLst/>
@@ -6640,49 +6891,20 @@
           <a:p>
             <a:r>
               <a:rPr lang="zh-CN" altLang="en-US" sz="9600" dirty="0">
+                <a:solidFill>
+                  <a:schemeClr val="tx1">
+                    <a:lumMod val="75000"/>
+                    <a:lumOff val="25000"/>
+                  </a:schemeClr>
+                </a:solidFill>
                 <a:latin typeface="华文行楷" panose="02010800040101010101" pitchFamily="2" charset="-122"/>
                 <a:ea typeface="华文行楷" panose="02010800040101010101" pitchFamily="2" charset="-122"/>
               </a:rPr>
-              <a:t>相</a:t>
-            </a:r>
-          </a:p>
-        </p:txBody>
-      </p:sp>
-      <p:sp>
-        <p:nvSpPr>
-          <p:cNvPr id="9" name="文本框 8">
-            <a:extLst>
-              <a:ext uri="{FF2B5EF4-FFF2-40B4-BE49-F238E27FC236}">
-                <a16:creationId xmlns:a16="http://schemas.microsoft.com/office/drawing/2014/main" id="{BE0778A9-2252-4F3B-A2CD-EDACEB9FD881}"/>
-              </a:ext>
-            </a:extLst>
-          </p:cNvPr>
-          <p:cNvSpPr txBox="1"/>
-          <p:nvPr/>
-        </p:nvSpPr>
-        <p:spPr>
-          <a:xfrm>
-            <a:off x="5388114" y="1859340"/>
-            <a:ext cx="1415772" cy="1569660"/>
-          </a:xfrm>
-          <a:prstGeom prst="rect">
-            <a:avLst/>
-          </a:prstGeom>
-          <a:noFill/>
-        </p:spPr>
-        <p:txBody>
-          <a:bodyPr wrap="none" rtlCol="0">
-            <a:spAutoFit/>
-          </a:bodyPr>
-          <a:lstStyle/>
-          <a:p>
-            <a:r>
-              <a:rPr lang="zh-CN" altLang="en-US" sz="9600" dirty="0">
-                <a:latin typeface="华文行楷" panose="02010800040101010101" pitchFamily="2" charset="-122"/>
-                <a:ea typeface="华文行楷" panose="02010800040101010101" pitchFamily="2" charset="-122"/>
-              </a:rPr>
-              <a:t>声</a:t>
-            </a:r>
+              <a:t>谈礼而哂</a:t>
+            </a:r>
+          </a:p>
+          <a:p>
+            <a:endParaRPr lang="zh-CN" altLang="en-US" dirty="0"/>
           </a:p>
         </p:txBody>
       </p:sp>
@@ -6701,10 +6923,14 @@
   </p:clrMapOvr>
   <mc:AlternateContent xmlns:mc="http://schemas.openxmlformats.org/markup-compatibility/2006" xmlns:p14="http://schemas.microsoft.com/office/powerpoint/2010/main">
     <mc:Choice Requires="p14">
-      <p:transition p14:dur="10" advTm="0"/>
+      <p:transition spd="slow" p14:dur="1250" advTm="0">
+        <p14:switch dir="l"/>
+      </p:transition>
     </mc:Choice>
     <mc:Fallback xmlns="">
-      <p:transition advTm="0"/>
+      <p:transition spd="slow" advTm="0">
+        <p:fade/>
+      </p:transition>
     </mc:Fallback>
   </mc:AlternateContent>
   <p:timing>
@@ -6772,14 +6998,14 @@
                               <p:par>
                                 <p:cTn id="9" presetID="22" presetClass="exit" presetSubtype="2" fill="hold" grpId="0" nodeType="withEffect">
                                   <p:stCondLst>
-                                    <p:cond delay="700"/>
+                                    <p:cond delay="400"/>
                                   </p:stCondLst>
                                   <p:childTnLst>
                                     <p:animEffect transition="out" filter="wipe(right)">
                                       <p:cBhvr>
-                                        <p:cTn id="10" dur="500"/>
+                                        <p:cTn id="10" dur="900"/>
                                         <p:tgtEl>
-                                          <p:spTgt spid="2"/>
+                                          <p:spTgt spid="11"/>
                                         </p:tgtEl>
                                       </p:cBhvr>
                                     </p:animEffect>
@@ -6787,11 +7013,11 @@
                                       <p:cBhvr>
                                         <p:cTn id="11" dur="1" fill="hold">
                                           <p:stCondLst>
-                                            <p:cond delay="499"/>
+                                            <p:cond delay="899"/>
                                           </p:stCondLst>
                                         </p:cTn>
                                         <p:tgtEl>
-                                          <p:spTgt spid="2"/>
+                                          <p:spTgt spid="11"/>
                                         </p:tgtEl>
                                         <p:attrNameLst>
                                           <p:attrName>style.visibility</p:attrName>
@@ -6805,49 +7031,14 @@
                                 </p:cTn>
                               </p:par>
                               <p:par>
-                                <p:cTn id="12" presetID="22" presetClass="exit" presetSubtype="2" fill="hold" grpId="0" nodeType="withEffect">
-                                  <p:stCondLst>
-                                    <p:cond delay="300"/>
-                                  </p:stCondLst>
-                                  <p:childTnLst>
-                                    <p:animEffect transition="out" filter="wipe(right)">
-                                      <p:cBhvr>
-                                        <p:cTn id="13" dur="500"/>
-                                        <p:tgtEl>
-                                          <p:spTgt spid="9"/>
-                                        </p:tgtEl>
-                                      </p:cBhvr>
-                                    </p:animEffect>
-                                    <p:set>
-                                      <p:cBhvr>
-                                        <p:cTn id="14" dur="1" fill="hold">
-                                          <p:stCondLst>
-                                            <p:cond delay="499"/>
-                                          </p:stCondLst>
-                                        </p:cTn>
-                                        <p:tgtEl>
-                                          <p:spTgt spid="9"/>
-                                        </p:tgtEl>
-                                        <p:attrNameLst>
-                                          <p:attrName>style.visibility</p:attrName>
-                                        </p:attrNameLst>
-                                      </p:cBhvr>
-                                      <p:to>
-                                        <p:strVal val="hidden"/>
-                                      </p:to>
-                                    </p:set>
-                                  </p:childTnLst>
-                                </p:cTn>
-                              </p:par>
-                              <p:par>
-                                <p:cTn id="15" presetID="37" presetClass="path" presetSubtype="0" accel="50000" decel="50000" fill="hold" grpId="0" nodeType="withEffect">
+                                <p:cTn id="12" presetID="37" presetClass="path" presetSubtype="0" accel="50000" decel="50000" fill="hold" grpId="0" nodeType="withEffect">
                                   <p:stCondLst>
                                     <p:cond delay="300"/>
                                   </p:stCondLst>
                                   <p:childTnLst>
                                     <p:animMotion origin="layout" path="M -1.04167E-6 -1.48148E-6 L 0.06706 0.09676 C 0.08099 0.11852 0.10195 0.13033 0.12396 0.13033 C 0.14896 0.13033 0.16901 0.11852 0.18294 0.09676 L 0.25 -1.48148E-6 " pathEditMode="relative" rAng="0" ptsTypes="AAAAA">
                                       <p:cBhvr>
-                                        <p:cTn id="16" dur="2000" fill="hold"/>
+                                        <p:cTn id="13" dur="2000" fill="hold"/>
                                         <p:tgtEl>
                                           <p:spTgt spid="5"/>
                                         </p:tgtEl>
@@ -6892,14 +7083,13 @@
       <p:bldP spid="6" grpId="0" animBg="1"/>
       <p:bldP spid="6" grpId="1" animBg="1"/>
       <p:bldP spid="5" grpId="0" animBg="1"/>
-      <p:bldP spid="2" grpId="0"/>
-      <p:bldP spid="9" grpId="0"/>
+      <p:bldP spid="11" grpId="0"/>
     </p:bldLst>
   </p:timing>
 </p:sld>
 </file>
 
-<file path=ppt/slides/slide7.xml><?xml version="1.0" encoding="utf-8"?>
+<file path=ppt/slides/slide8.xml><?xml version="1.0" encoding="utf-8"?>
 <p:sld xmlns:a="http://schemas.openxmlformats.org/drawingml/2006/main" xmlns:r="http://schemas.openxmlformats.org/officeDocument/2006/relationships" xmlns:p="http://schemas.openxmlformats.org/presentationml/2006/main">
   <p:cSld>
     <p:spTree>
@@ -7018,10 +7208,10 @@
       </p:sp>
       <p:sp>
         <p:nvSpPr>
-          <p:cNvPr id="4" name="文本框 3">
-            <a:extLst>
-              <a:ext uri="{FF2B5EF4-FFF2-40B4-BE49-F238E27FC236}">
-                <a16:creationId xmlns:a16="http://schemas.microsoft.com/office/drawing/2014/main" id="{7CD139FB-13CF-4360-8B04-9DCB10BD93DF}"/>
+          <p:cNvPr id="5" name="文本框 4">
+            <a:extLst>
+              <a:ext uri="{FF2B5EF4-FFF2-40B4-BE49-F238E27FC236}">
+                <a16:creationId xmlns:a16="http://schemas.microsoft.com/office/drawing/2014/main" id="{C3259C12-E34F-4DA5-AC9E-B81E5B695F1B}"/>
               </a:ext>
             </a:extLst>
           </p:cNvPr>
@@ -7030,8 +7220,8 @@
         </p:nvSpPr>
         <p:spPr>
           <a:xfrm>
-            <a:off x="5345404" y="3429000"/>
-            <a:ext cx="3262432" cy="707886"/>
+            <a:off x="4980372" y="2152450"/>
+            <a:ext cx="5109091" cy="1569660"/>
           </a:xfrm>
           <a:prstGeom prst="rect">
             <a:avLst/>
@@ -7045,67 +7235,11 @@
           <a:lstStyle/>
           <a:p>
             <a:r>
-              <a:rPr lang="en-US" altLang="zh-CN" sz="4000" dirty="0">
-                <a:latin typeface="华文行楷" panose="02010800040101010101" pitchFamily="2" charset="-122"/>
-                <a:ea typeface="华文行楷" panose="02010800040101010101" pitchFamily="2" charset="-122"/>
-              </a:rPr>
-              <a:t>《</a:t>
-            </a:r>
-            <a:r>
-              <a:rPr lang="zh-CN" altLang="en-US" sz="4000" dirty="0">
-                <a:latin typeface="华文行楷" panose="02010800040101010101" pitchFamily="2" charset="-122"/>
-                <a:ea typeface="华文行楷" panose="02010800040101010101" pitchFamily="2" charset="-122"/>
-              </a:rPr>
-              <a:t>礼仪之邦</a:t>
-            </a:r>
-            <a:r>
-              <a:rPr lang="en-US" altLang="zh-CN" sz="4000" dirty="0">
-                <a:latin typeface="华文行楷" panose="02010800040101010101" pitchFamily="2" charset="-122"/>
-                <a:ea typeface="华文行楷" panose="02010800040101010101" pitchFamily="2" charset="-122"/>
-              </a:rPr>
-              <a:t>》</a:t>
-            </a:r>
-            <a:endParaRPr lang="zh-CN" altLang="en-US" sz="4000" dirty="0">
-              <a:latin typeface="华文行楷" panose="02010800040101010101" pitchFamily="2" charset="-122"/>
-              <a:ea typeface="华文行楷" panose="02010800040101010101" pitchFamily="2" charset="-122"/>
-            </a:endParaRPr>
-          </a:p>
-        </p:txBody>
-      </p:sp>
-      <p:sp>
-        <p:nvSpPr>
-          <p:cNvPr id="5" name="文本框 4">
-            <a:extLst>
-              <a:ext uri="{FF2B5EF4-FFF2-40B4-BE49-F238E27FC236}">
-                <a16:creationId xmlns:a16="http://schemas.microsoft.com/office/drawing/2014/main" id="{C3259C12-E34F-4DA5-AC9E-B81E5B695F1B}"/>
-              </a:ext>
-            </a:extLst>
-          </p:cNvPr>
-          <p:cNvSpPr txBox="1"/>
-          <p:nvPr/>
-        </p:nvSpPr>
-        <p:spPr>
-          <a:xfrm>
-            <a:off x="4980372" y="2152450"/>
-            <a:ext cx="2646878" cy="1569660"/>
-          </a:xfrm>
-          <a:prstGeom prst="rect">
-            <a:avLst/>
-          </a:prstGeom>
-          <a:noFill/>
-        </p:spPr>
-        <p:txBody>
-          <a:bodyPr wrap="none" rtlCol="0">
-            <a:spAutoFit/>
-          </a:bodyPr>
-          <a:lstStyle/>
-          <a:p>
-            <a:r>
               <a:rPr lang="zh-CN" altLang="en-US" sz="9600" dirty="0">
                 <a:latin typeface="华文行楷" panose="02010800040101010101" pitchFamily="2" charset="-122"/>
                 <a:ea typeface="华文行楷" panose="02010800040101010101" pitchFamily="2" charset="-122"/>
               </a:rPr>
-              <a:t>歌曲</a:t>
+              <a:t>朗诵赞礼</a:t>
             </a:r>
           </a:p>
         </p:txBody>
@@ -7113,154 +7247,29 @@
     </p:spTree>
     <p:extLst>
       <p:ext uri="{BB962C8B-B14F-4D97-AF65-F5344CB8AC3E}">
-        <p14:creationId xmlns:p14="http://schemas.microsoft.com/office/powerpoint/2010/main" val="3421845031"/>
+        <p14:creationId xmlns:p14="http://schemas.microsoft.com/office/powerpoint/2010/main" val="3661251635"/>
       </p:ext>
     </p:extLst>
   </p:cSld>
   <p:clrMapOvr>
     <a:masterClrMapping/>
   </p:clrMapOvr>
-  <mc:AlternateContent xmlns:mc="http://schemas.openxmlformats.org/markup-compatibility/2006" xmlns:p159="http://schemas.microsoft.com/office/powerpoint/2015/09/main">
-    <mc:Choice Requires="p159">
+  <mc:AlternateContent xmlns:mc="http://schemas.openxmlformats.org/markup-compatibility/2006">
+    <mc:Choice xmlns:p159="http://schemas.microsoft.com/office/powerpoint/2015/09/main" Requires="p159">
       <p:transition xmlns:p14="http://schemas.microsoft.com/office/powerpoint/2010/main" spd="slow" p14:dur="2000">
         <p159:morph option="byObject"/>
       </p:transition>
     </mc:Choice>
-    <mc:Fallback xmlns="">
+    <mc:Fallback>
       <p:transition spd="slow">
         <p:fade/>
       </p:transition>
     </mc:Fallback>
   </mc:AlternateContent>
-  <p:timing>
-    <p:tnLst>
-      <p:par>
-        <p:cTn id="1" dur="indefinite" restart="never" nodeType="tmRoot">
-          <p:childTnLst>
-            <p:seq concurrent="1" nextAc="seek">
-              <p:cTn id="2" dur="indefinite" nodeType="mainSeq">
-                <p:childTnLst>
-                  <p:par>
-                    <p:cTn id="3" fill="hold">
-                      <p:stCondLst>
-                        <p:cond delay="indefinite"/>
-                        <p:cond evt="onBegin" delay="0">
-                          <p:tn val="2"/>
-                        </p:cond>
-                      </p:stCondLst>
-                      <p:childTnLst>
-                        <p:par>
-                          <p:cTn id="4" fill="hold">
-                            <p:stCondLst>
-                              <p:cond delay="0"/>
-                            </p:stCondLst>
-                            <p:childTnLst>
-                              <p:par>
-                                <p:cTn id="5" presetID="22" presetClass="entr" presetSubtype="8" fill="hold" grpId="0" nodeType="withEffect">
-                                  <p:stCondLst>
-                                    <p:cond delay="0"/>
-                                  </p:stCondLst>
-                                  <p:childTnLst>
-                                    <p:set>
-                                      <p:cBhvr>
-                                        <p:cTn id="6" dur="1" fill="hold">
-                                          <p:stCondLst>
-                                            <p:cond delay="0"/>
-                                          </p:stCondLst>
-                                        </p:cTn>
-                                        <p:tgtEl>
-                                          <p:spTgt spid="5"/>
-                                        </p:tgtEl>
-                                        <p:attrNameLst>
-                                          <p:attrName>style.visibility</p:attrName>
-                                        </p:attrNameLst>
-                                      </p:cBhvr>
-                                      <p:to>
-                                        <p:strVal val="visible"/>
-                                      </p:to>
-                                    </p:set>
-                                    <p:animEffect transition="in" filter="wipe(left)">
-                                      <p:cBhvr>
-                                        <p:cTn id="7" dur="500"/>
-                                        <p:tgtEl>
-                                          <p:spTgt spid="5"/>
-                                        </p:tgtEl>
-                                      </p:cBhvr>
-                                    </p:animEffect>
-                                  </p:childTnLst>
-                                </p:cTn>
-                              </p:par>
-                              <p:par>
-                                <p:cTn id="8" presetID="22" presetClass="entr" presetSubtype="8" fill="hold" grpId="0" nodeType="withEffect">
-                                  <p:stCondLst>
-                                    <p:cond delay="0"/>
-                                  </p:stCondLst>
-                                  <p:childTnLst>
-                                    <p:set>
-                                      <p:cBhvr>
-                                        <p:cTn id="9" dur="1" fill="hold">
-                                          <p:stCondLst>
-                                            <p:cond delay="0"/>
-                                          </p:stCondLst>
-                                        </p:cTn>
-                                        <p:tgtEl>
-                                          <p:spTgt spid="4"/>
-                                        </p:tgtEl>
-                                        <p:attrNameLst>
-                                          <p:attrName>style.visibility</p:attrName>
-                                        </p:attrNameLst>
-                                      </p:cBhvr>
-                                      <p:to>
-                                        <p:strVal val="visible"/>
-                                      </p:to>
-                                    </p:set>
-                                    <p:animEffect transition="in" filter="wipe(left)">
-                                      <p:cBhvr>
-                                        <p:cTn id="10" dur="500"/>
-                                        <p:tgtEl>
-                                          <p:spTgt spid="4"/>
-                                        </p:tgtEl>
-                                      </p:cBhvr>
-                                    </p:animEffect>
-                                  </p:childTnLst>
-                                </p:cTn>
-                              </p:par>
-                            </p:childTnLst>
-                          </p:cTn>
-                        </p:par>
-                      </p:childTnLst>
-                    </p:cTn>
-                  </p:par>
-                </p:childTnLst>
-              </p:cTn>
-              <p:prevCondLst>
-                <p:cond evt="onPrev" delay="0">
-                  <p:tgtEl>
-                    <p:sldTgt/>
-                  </p:tgtEl>
-                </p:cond>
-              </p:prevCondLst>
-              <p:nextCondLst>
-                <p:cond evt="onNext" delay="0">
-                  <p:tgtEl>
-                    <p:sldTgt/>
-                  </p:tgtEl>
-                </p:cond>
-              </p:nextCondLst>
-            </p:seq>
-          </p:childTnLst>
-        </p:cTn>
-      </p:par>
-    </p:tnLst>
-    <p:bldLst>
-      <p:bldP spid="4" grpId="0"/>
-      <p:bldP spid="5" grpId="0"/>
-    </p:bldLst>
-  </p:timing>
 </p:sld>
 </file>
 
-<file path=ppt/slides/slide8.xml><?xml version="1.0" encoding="utf-8"?>
+<file path=ppt/slides/slide9.xml><?xml version="1.0" encoding="utf-8"?>
 <p:sld xmlns:a="http://schemas.openxmlformats.org/drawingml/2006/main" xmlns:r="http://schemas.openxmlformats.org/officeDocument/2006/relationships" xmlns:p="http://schemas.openxmlformats.org/presentationml/2006/main">
   <p:cSld>
     <p:spTree>
@@ -7365,7 +7374,7 @@
           <a:p>
             <a:pPr algn="ctr" defTabSz="457200"/>
             <a:r>
-              <a:rPr lang="zh-CN" altLang="en-US" sz="9600" kern="0">
+              <a:rPr lang="zh-CN" altLang="en-US" sz="9600" kern="0" dirty="0">
                 <a:solidFill>
                   <a:sysClr val="windowText" lastClr="000000"/>
                 </a:solidFill>
@@ -7373,226 +7382,6 @@
                 <a:ea typeface="华文行楷" panose="02010800040101010101" pitchFamily="2" charset="-122"/>
               </a:rPr>
               <a:t>肆</a:t>
-            </a:r>
-            <a:endParaRPr lang="zh-CN" altLang="en-US" sz="9600" kern="0" dirty="0">
-              <a:solidFill>
-                <a:sysClr val="windowText" lastClr="000000"/>
-              </a:solidFill>
-              <a:latin typeface="华文行楷" panose="02010800040101010101" pitchFamily="2" charset="-122"/>
-              <a:ea typeface="华文行楷" panose="02010800040101010101" pitchFamily="2" charset="-122"/>
-            </a:endParaRPr>
-          </a:p>
-        </p:txBody>
-      </p:sp>
-      <p:sp>
-        <p:nvSpPr>
-          <p:cNvPr id="4" name="文本框 3">
-            <a:extLst>
-              <a:ext uri="{FF2B5EF4-FFF2-40B4-BE49-F238E27FC236}">
-                <a16:creationId xmlns:a16="http://schemas.microsoft.com/office/drawing/2014/main" id="{7CD139FB-13CF-4360-8B04-9DCB10BD93DF}"/>
-              </a:ext>
-            </a:extLst>
-          </p:cNvPr>
-          <p:cNvSpPr txBox="1"/>
-          <p:nvPr/>
-        </p:nvSpPr>
-        <p:spPr>
-          <a:xfrm>
-            <a:off x="5345404" y="3429000"/>
-            <a:ext cx="2492990" cy="707886"/>
-          </a:xfrm>
-          <a:prstGeom prst="rect">
-            <a:avLst/>
-          </a:prstGeom>
-          <a:noFill/>
-        </p:spPr>
-        <p:txBody>
-          <a:bodyPr wrap="none" rtlCol="0">
-            <a:spAutoFit/>
-          </a:bodyPr>
-          <a:lstStyle/>
-          <a:p>
-            <a:r>
-              <a:rPr lang="en-US" altLang="zh-CN" sz="4000" dirty="0">
-                <a:latin typeface="华文行楷" panose="02010800040101010101" pitchFamily="2" charset="-122"/>
-                <a:ea typeface="华文行楷" panose="02010800040101010101" pitchFamily="2" charset="-122"/>
-              </a:rPr>
-              <a:t>《_____》</a:t>
-            </a:r>
-            <a:endParaRPr lang="zh-CN" altLang="en-US" sz="4000" dirty="0">
-              <a:latin typeface="华文行楷" panose="02010800040101010101" pitchFamily="2" charset="-122"/>
-              <a:ea typeface="华文行楷" panose="02010800040101010101" pitchFamily="2" charset="-122"/>
-            </a:endParaRPr>
-          </a:p>
-        </p:txBody>
-      </p:sp>
-      <p:sp>
-        <p:nvSpPr>
-          <p:cNvPr id="5" name="文本框 4">
-            <a:extLst>
-              <a:ext uri="{FF2B5EF4-FFF2-40B4-BE49-F238E27FC236}">
-                <a16:creationId xmlns:a16="http://schemas.microsoft.com/office/drawing/2014/main" id="{C3259C12-E34F-4DA5-AC9E-B81E5B695F1B}"/>
-              </a:ext>
-            </a:extLst>
-          </p:cNvPr>
-          <p:cNvSpPr txBox="1"/>
-          <p:nvPr/>
-        </p:nvSpPr>
-        <p:spPr>
-          <a:xfrm>
-            <a:off x="4980372" y="2152450"/>
-            <a:ext cx="3877985" cy="1569660"/>
-          </a:xfrm>
-          <a:prstGeom prst="rect">
-            <a:avLst/>
-          </a:prstGeom>
-          <a:noFill/>
-        </p:spPr>
-        <p:txBody>
-          <a:bodyPr wrap="none" rtlCol="0">
-            <a:spAutoFit/>
-          </a:bodyPr>
-          <a:lstStyle/>
-          <a:p>
-            <a:r>
-              <a:rPr lang="zh-CN" altLang="en-US" sz="9600" dirty="0">
-                <a:latin typeface="华文行楷" panose="02010800040101010101" pitchFamily="2" charset="-122"/>
-                <a:ea typeface="华文行楷" panose="02010800040101010101" pitchFamily="2" charset="-122"/>
-              </a:rPr>
-              <a:t>诗朗诵</a:t>
-            </a:r>
-          </a:p>
-        </p:txBody>
-      </p:sp>
-    </p:spTree>
-    <p:extLst>
-      <p:ext uri="{BB962C8B-B14F-4D97-AF65-F5344CB8AC3E}">
-        <p14:creationId xmlns:p14="http://schemas.microsoft.com/office/powerpoint/2010/main" val="3661251635"/>
-      </p:ext>
-    </p:extLst>
-  </p:cSld>
-  <p:clrMapOvr>
-    <a:masterClrMapping/>
-  </p:clrMapOvr>
-  <p:transition spd="slow">
-    <p:wipe dir="r"/>
-  </p:transition>
-</p:sld>
-</file>
-
-<file path=ppt/slides/slide9.xml><?xml version="1.0" encoding="utf-8"?>
-<p:sld xmlns:a="http://schemas.openxmlformats.org/drawingml/2006/main" xmlns:r="http://schemas.openxmlformats.org/officeDocument/2006/relationships" xmlns:p="http://schemas.openxmlformats.org/presentationml/2006/main">
-  <p:cSld>
-    <p:spTree>
-      <p:nvGrpSpPr>
-        <p:cNvPr id="1" name=""/>
-        <p:cNvGrpSpPr/>
-        <p:nvPr/>
-      </p:nvGrpSpPr>
-      <p:grpSpPr>
-        <a:xfrm>
-          <a:off x="0" y="0"/>
-          <a:ext cx="0" cy="0"/>
-          <a:chOff x="0" y="0"/>
-          <a:chExt cx="0" cy="0"/>
-        </a:xfrm>
-      </p:grpSpPr>
-      <p:pic>
-        <p:nvPicPr>
-          <p:cNvPr id="2" name="图片 1">
-            <a:extLst>
-              <a:ext uri="{FF2B5EF4-FFF2-40B4-BE49-F238E27FC236}">
-                <a16:creationId xmlns:a16="http://schemas.microsoft.com/office/drawing/2014/main" id="{641C0411-2BF9-4C97-9198-FEFA5BC9F3C8}"/>
-              </a:ext>
-            </a:extLst>
-          </p:cNvPr>
-          <p:cNvPicPr>
-            <a:picLocks noChangeAspect="1"/>
-          </p:cNvPicPr>
-          <p:nvPr/>
-        </p:nvPicPr>
-        <p:blipFill rotWithShape="1">
-          <a:blip r:embed="rId2">
-            <a:extLst>
-              <a:ext uri="{28A0092B-C50C-407E-A947-70E740481C1C}">
-                <a14:useLocalDpi xmlns:a14="http://schemas.microsoft.com/office/drawing/2010/main" val="0"/>
-              </a:ext>
-            </a:extLst>
-          </a:blip>
-          <a:srcRect l="12731" r="12731"/>
-          <a:stretch/>
-        </p:blipFill>
-        <p:spPr>
-          <a:xfrm>
-            <a:off x="0" y="0"/>
-            <a:ext cx="12268200" cy="6858000"/>
-          </a:xfrm>
-          <a:prstGeom prst="rect">
-            <a:avLst/>
-          </a:prstGeom>
-        </p:spPr>
-      </p:pic>
-      <p:sp>
-        <p:nvSpPr>
-          <p:cNvPr id="3" name="矩形 2">
-            <a:extLst>
-              <a:ext uri="{FF2B5EF4-FFF2-40B4-BE49-F238E27FC236}">
-                <a16:creationId xmlns:a16="http://schemas.microsoft.com/office/drawing/2014/main" id="{E4568192-5A4D-4971-87B7-FE6A8D1DE1BD}"/>
-              </a:ext>
-            </a:extLst>
-          </p:cNvPr>
-          <p:cNvSpPr/>
-          <p:nvPr/>
-        </p:nvSpPr>
-        <p:spPr>
-          <a:xfrm>
-            <a:off x="976544" y="1480315"/>
-            <a:ext cx="3392316" cy="2913931"/>
-          </a:xfrm>
-          <a:prstGeom prst="rect">
-            <a:avLst/>
-          </a:prstGeom>
-          <a:blipFill dpi="0" rotWithShape="1">
-            <a:blip r:embed="rId3"/>
-            <a:srcRect/>
-            <a:stretch>
-              <a:fillRect/>
-            </a:stretch>
-          </a:blipFill>
-          <a:ln>
-            <a:noFill/>
-          </a:ln>
-        </p:spPr>
-        <p:style>
-          <a:lnRef idx="2">
-            <a:schemeClr val="accent1">
-              <a:shade val="50000"/>
-            </a:schemeClr>
-          </a:lnRef>
-          <a:fillRef idx="1">
-            <a:schemeClr val="accent1"/>
-          </a:fillRef>
-          <a:effectRef idx="0">
-            <a:schemeClr val="accent1"/>
-          </a:effectRef>
-          <a:fontRef idx="minor">
-            <a:schemeClr val="lt1"/>
-          </a:fontRef>
-        </p:style>
-        <p:txBody>
-          <a:bodyPr rtlCol="0" anchor="ctr"/>
-          <a:lstStyle/>
-          <a:p>
-            <a:pPr algn="ctr" defTabSz="457200"/>
-            <a:r>
-              <a:rPr lang="zh-CN" altLang="en-US" sz="9600" kern="0" dirty="0">
-                <a:solidFill>
-                  <a:sysClr val="windowText" lastClr="000000"/>
-                </a:solidFill>
-                <a:latin typeface="华文行楷" panose="02010800040101010101" pitchFamily="2" charset="-122"/>
-                <a:ea typeface="华文行楷" panose="02010800040101010101" pitchFamily="2" charset="-122"/>
-              </a:rPr>
-              <a:t>伍</a:t>
             </a:r>
           </a:p>
         </p:txBody>
@@ -7630,7 +7419,7 @@
                 <a:latin typeface="华文行楷" panose="02010800040101010101" pitchFamily="2" charset="-122"/>
                 <a:ea typeface="华文行楷" panose="02010800040101010101" pitchFamily="2" charset="-122"/>
               </a:rPr>
-              <a:t>承诺仪式</a:t>
+              <a:t>承诺行礼</a:t>
             </a:r>
           </a:p>
         </p:txBody>
@@ -7638,7 +7427,7 @@
     </p:spTree>
     <p:extLst>
       <p:ext uri="{BB962C8B-B14F-4D97-AF65-F5344CB8AC3E}">
-        <p14:creationId xmlns:p14="http://schemas.microsoft.com/office/powerpoint/2010/main" val="2106988571"/>
+        <p14:creationId xmlns:p14="http://schemas.microsoft.com/office/powerpoint/2010/main" val="1956720675"/>
       </p:ext>
     </p:extLst>
   </p:cSld>
